--- a/codeknacker/Codeknacker_in_3_Schritten.pptx
+++ b/codeknacker/Codeknacker_in_3_Schritten.pptx
@@ -203,7 +203,7 @@
           <a:p>
             <a:fld id="{DD7A25D8-F173-4133-85F8-CB962D678EB5}" type="datetimeFigureOut">
               <a:rPr lang="de-DE" smtClean="0"/>
-              <a:t>13.12.2019</a:t>
+              <a:t>20.12.2019</a:t>
             </a:fld>
             <a:endParaRPr lang="de-DE"/>
           </a:p>
@@ -601,7 +601,7 @@
           <a:p>
             <a:fld id="{FC9269F9-6F79-4414-A84E-D81C6C443C37}" type="datetimeFigureOut">
               <a:rPr lang="de-DE" smtClean="0"/>
-              <a:t>13.12.2019</a:t>
+              <a:t>20.12.2019</a:t>
             </a:fld>
             <a:endParaRPr lang="de-DE"/>
           </a:p>
@@ -1620,7 +1620,7 @@
           <a:p>
             <a:fld id="{FC9269F9-6F79-4414-A84E-D81C6C443C37}" type="datetimeFigureOut">
               <a:rPr lang="de-DE" smtClean="0"/>
-              <a:t>13.12.2019</a:t>
+              <a:t>20.12.2019</a:t>
             </a:fld>
             <a:endParaRPr lang="de-DE"/>
           </a:p>
@@ -2028,7 +2028,7 @@
           <a:p>
             <a:fld id="{FC9269F9-6F79-4414-A84E-D81C6C443C37}" type="datetimeFigureOut">
               <a:rPr lang="de-DE" smtClean="0"/>
-              <a:t>13.12.2019</a:t>
+              <a:t>20.12.2019</a:t>
             </a:fld>
             <a:endParaRPr lang="de-DE"/>
           </a:p>
@@ -2751,7 +2751,7 @@
           <a:p>
             <a:fld id="{FC9269F9-6F79-4414-A84E-D81C6C443C37}" type="datetimeFigureOut">
               <a:rPr lang="de-DE" smtClean="0"/>
-              <a:t>13.12.2019</a:t>
+              <a:t>20.12.2019</a:t>
             </a:fld>
             <a:endParaRPr lang="de-DE"/>
           </a:p>
@@ -2974,7 +2974,7 @@
           <a:p>
             <a:fld id="{FC9269F9-6F79-4414-A84E-D81C6C443C37}" type="datetimeFigureOut">
               <a:rPr lang="de-DE" smtClean="0"/>
-              <a:t>13.12.2019</a:t>
+              <a:t>20.12.2019</a:t>
             </a:fld>
             <a:endParaRPr lang="de-DE"/>
           </a:p>
@@ -3187,7 +3187,7 @@
           <a:p>
             <a:fld id="{FC9269F9-6F79-4414-A84E-D81C6C443C37}" type="datetimeFigureOut">
               <a:rPr lang="de-DE" smtClean="0"/>
-              <a:t>13.12.2019</a:t>
+              <a:t>20.12.2019</a:t>
             </a:fld>
             <a:endParaRPr lang="de-DE"/>
           </a:p>
@@ -3857,6 +3857,35 @@
           <a:xfrm>
             <a:off x="992188" y="3575050"/>
             <a:ext cx="4489450" cy="3455988"/>
+          </a:xfrm>
+          <a:prstGeom prst="rect">
+            <a:avLst/>
+          </a:prstGeom>
+        </p:spPr>
+      </p:pic>
+      <p:pic>
+        <p:nvPicPr>
+          <p:cNvPr id="93" name="Grafik 92">
+            <a:extLst>
+              <a:ext uri="{FF2B5EF4-FFF2-40B4-BE49-F238E27FC236}">
+                <a16:creationId xmlns:a16="http://schemas.microsoft.com/office/drawing/2014/main" id="{9A112272-8BC6-413F-8AE5-E26E10CFB418}"/>
+              </a:ext>
+            </a:extLst>
+          </p:cNvPr>
+          <p:cNvPicPr>
+            <a:picLocks noChangeAspect="1"/>
+          </p:cNvPicPr>
+          <p:nvPr/>
+        </p:nvPicPr>
+        <p:blipFill rotWithShape="1">
+          <a:blip r:embed="rId3"/>
+          <a:srcRect l="2718" t="1711" r="6500" b="5433"/>
+          <a:stretch/>
+        </p:blipFill>
+        <p:spPr>
+          <a:xfrm rot="911239">
+            <a:off x="4586522" y="5932378"/>
+            <a:ext cx="1193800" cy="1913923"/>
           </a:xfrm>
           <a:prstGeom prst="rect">
             <a:avLst/>
